--- a/presentations/intro.pptx
+++ b/presentations/intro.pptx
@@ -240,7 +240,7 @@
           <a:p>
             <a:fld id="{78B2772D-67CF-446E-AB14-873D70346968}" type="datetimeFigureOut">
               <a:rPr lang="en-GB" smtClean="0"/>
-              <a:t>07/02/2024</a:t>
+              <a:t>09/02/2024</a:t>
             </a:fld>
             <a:endParaRPr lang="en-GB"/>
           </a:p>
@@ -2675,7 +2675,7 @@
           <a:p>
             <a:fld id="{6C25FA03-981D-3F4F-ABFD-F2CAE44CF4DF}" type="datetime1">
               <a:rPr lang="en-GB" smtClean="0"/>
-              <a:t>07/02/2024</a:t>
+              <a:t>09/02/2024</a:t>
             </a:fld>
             <a:endParaRPr lang="en-GB"/>
           </a:p>
@@ -2995,7 +2995,7 @@
           <a:p>
             <a:fld id="{AD447513-F0D7-9140-9852-9A843D8B81D3}" type="datetime1">
               <a:rPr lang="en-GB" smtClean="0"/>
-              <a:t>07/02/2024</a:t>
+              <a:t>09/02/2024</a:t>
             </a:fld>
             <a:endParaRPr lang="en-GB"/>
           </a:p>
@@ -3408,7 +3408,7 @@
           <a:p>
             <a:fld id="{4FC983D9-AEB3-884A-8B61-40B359253CCD}" type="datetime1">
               <a:rPr lang="en-GB" smtClean="0"/>
-              <a:t>07/02/2024</a:t>
+              <a:t>09/02/2024</a:t>
             </a:fld>
             <a:endParaRPr lang="en-GB"/>
           </a:p>
@@ -4443,7 +4443,7 @@
           <a:p>
             <a:fld id="{862EF5BF-54FA-BF48-B61D-2432192EF666}" type="datetime1">
               <a:rPr lang="en-GB" smtClean="0"/>
-              <a:t>07/02/2024</a:t>
+              <a:t>09/02/2024</a:t>
             </a:fld>
             <a:endParaRPr lang="en-GB"/>
           </a:p>
@@ -7562,7 +7562,7 @@
           <a:p>
             <a:fld id="{08B972FC-9C63-1B41-803B-B958A5F6CE25}" type="datetime1">
               <a:rPr lang="en-GB" smtClean="0"/>
-              <a:t>07/02/2024</a:t>
+              <a:t>09/02/2024</a:t>
             </a:fld>
             <a:endParaRPr lang="en-GB"/>
           </a:p>
@@ -7690,7 +7690,7 @@
           <a:p>
             <a:fld id="{05210873-7FD8-1244-ABA1-499AC4AF712B}" type="datetime1">
               <a:rPr lang="en-GB" smtClean="0"/>
-              <a:t>07/02/2024</a:t>
+              <a:t>09/02/2024</a:t>
             </a:fld>
             <a:endParaRPr lang="en-GB"/>
           </a:p>
@@ -7920,7 +7920,7 @@
           <a:p>
             <a:fld id="{5075CE0D-163E-D54F-96AD-C92D6F353048}" type="datetime1">
               <a:rPr lang="en-GB" smtClean="0"/>
-              <a:t>07/02/2024</a:t>
+              <a:t>09/02/2024</a:t>
             </a:fld>
             <a:endParaRPr lang="en-GB"/>
           </a:p>
@@ -10620,7 +10620,7 @@
           <a:p>
             <a:fld id="{330677AC-4808-7844-8878-C4DC36017FAF}" type="datetime1">
               <a:rPr lang="en-GB" smtClean="0"/>
-              <a:t>07/02/2024</a:t>
+              <a:t>09/02/2024</a:t>
             </a:fld>
             <a:endParaRPr lang="en-GB"/>
           </a:p>
@@ -11147,7 +11147,7 @@
           <a:p>
             <a:fld id="{05A8478A-EDB8-3145-A182-C5ED532937CD}" type="datetime1">
               <a:rPr lang="en-GB" smtClean="0"/>
-              <a:t>07/02/2024</a:t>
+              <a:t>09/02/2024</a:t>
             </a:fld>
             <a:endParaRPr lang="en-GB"/>
           </a:p>
@@ -11525,7 +11525,7 @@
           <a:p>
             <a:fld id="{3A861D55-4B75-6148-B497-8307DFA79D9F}" type="datetime1">
               <a:rPr lang="en-GB" smtClean="0"/>
-              <a:t>07/02/2024</a:t>
+              <a:t>09/02/2024</a:t>
             </a:fld>
             <a:endParaRPr lang="en-GB"/>
           </a:p>
@@ -11843,7 +11843,7 @@
           <a:p>
             <a:fld id="{23E27BC6-0B0F-3C48-A90A-106E7F9DC3AC}" type="datetime1">
               <a:rPr lang="en-GB" smtClean="0"/>
-              <a:t>07/02/2024</a:t>
+              <a:t>09/02/2024</a:t>
             </a:fld>
             <a:endParaRPr lang="en-GB"/>
           </a:p>
@@ -12225,7 +12225,7 @@
           <a:p>
             <a:fld id="{52156CEE-F6CC-7B46-8301-E62F55883839}" type="datetime1">
               <a:rPr lang="en-GB" smtClean="0"/>
-              <a:t>07/02/2024</a:t>
+              <a:t>09/02/2024</a:t>
             </a:fld>
             <a:endParaRPr lang="en-GB"/>
           </a:p>
@@ -12607,7 +12607,7 @@
           <a:p>
             <a:fld id="{F44621EF-E3B6-AC44-B311-3F80F8F520D1}" type="datetime1">
               <a:rPr lang="en-GB" smtClean="0"/>
-              <a:t>07/02/2024</a:t>
+              <a:t>09/02/2024</a:t>
             </a:fld>
             <a:endParaRPr lang="en-GB"/>
           </a:p>
@@ -12989,7 +12989,7 @@
           <a:p>
             <a:fld id="{D97C8151-BC5D-0342-B9A9-219468AF0BB5}" type="datetime1">
               <a:rPr lang="en-GB" smtClean="0"/>
-              <a:t>07/02/2024</a:t>
+              <a:t>09/02/2024</a:t>
             </a:fld>
             <a:endParaRPr lang="en-GB"/>
           </a:p>
@@ -13322,7 +13322,7 @@
           <a:p>
             <a:fld id="{31D05CA0-F179-1E48-8911-D48A170F3146}" type="datetime1">
               <a:rPr lang="en-GB" smtClean="0"/>
-              <a:t>07/02/2024</a:t>
+              <a:t>09/02/2024</a:t>
             </a:fld>
             <a:endParaRPr lang="en-GB"/>
           </a:p>
@@ -14594,7 +14594,7 @@
           <a:p>
             <a:r>
               <a:rPr lang="en-GB" dirty="0"/>
-              <a:t>October 2023</a:t>
+              <a:t>February 2024</a:t>
             </a:r>
           </a:p>
         </p:txBody>
@@ -14813,7 +14813,7 @@
             </a:pPr>
             <a:r>
               <a:rPr lang="en-GB" sz="1800" dirty="0"/>
-              <a:t>We’ll be able to come up with lots of our own features too!</a:t>
+              <a:t>We’ll be able to come up with our own features too!</a:t>
             </a:r>
           </a:p>
         </p:txBody>
@@ -19169,7 +19169,7 @@
             <a:pPr marL="819150" lvl="2" indent="-285750"/>
             <a:r>
               <a:rPr lang="en-GB" dirty="0"/>
-              <a:t>App for </a:t>
+              <a:t>Mobile app for </a:t>
             </a:r>
             <a:r>
               <a:rPr lang="en-GB" dirty="0" err="1"/>
@@ -19184,7 +19184,7 @@
             <a:pPr marL="819150" lvl="2" indent="-285750"/>
             <a:r>
               <a:rPr lang="en-GB" dirty="0"/>
-              <a:t>Website / App for LNER (the red train company)</a:t>
+              <a:t>Website / mobile app for LNER (the red train company)</a:t>
             </a:r>
           </a:p>
           <a:p>
@@ -20179,7 +20179,7 @@
           <a:p>
             <a:r>
               <a:rPr lang="en-GB" sz="1350" dirty="0"/>
-              <a:t>I’ll send the link to the repository this afternoon.</a:t>
+              <a:t>I’ll send the link to the repository this morning.</a:t>
             </a:r>
           </a:p>
           <a:p>
